--- a/Git_Gud.pptx
+++ b/Git_Gud.pptx
@@ -3888,18 +3888,18 @@
           <a:p>
             <a:r>
               <a:rPr lang="en-US" dirty="0"/>
-              <a:t>`git fetch`</a:t>
+              <a:t>`git fetch (origin)`</a:t>
             </a:r>
           </a:p>
           <a:p>
             <a:pPr lvl="1"/>
             <a:r>
               <a:rPr lang="en-US" dirty="0"/>
-              <a:t>Acquires </a:t>
-            </a:r>
-            <a:r>
-              <a:rPr lang="en-US"/>
-              <a:t>remote branches</a:t>
+              <a:t>Acquires remote branches (</a:t>
+            </a:r>
+            <a:r>
+              <a:rPr lang="en-US"/>
+              <a:t>origin typically)</a:t>
             </a:r>
             <a:endParaRPr lang="en-US" dirty="0"/>
           </a:p>
